--- a/Документация/Презентация.pptx
+++ b/Документация/Презентация.pptx
@@ -4033,14 +4033,7 @@
                 <a:latin typeface="Times New Roman" panose="02020603050405020304" pitchFamily="18" charset="0"/>
                 <a:cs typeface="Times New Roman" panose="02020603050405020304" pitchFamily="18" charset="0"/>
               </a:rPr>
-              <a:t>                        </a:t>
-            </a:r>
-            <a:r>
-              <a:rPr lang="en-US" dirty="0" smtClean="0">
-                <a:latin typeface="Times New Roman" panose="02020603050405020304" pitchFamily="18" charset="0"/>
-                <a:cs typeface="Times New Roman" panose="02020603050405020304" pitchFamily="18" charset="0"/>
-              </a:rPr>
-              <a:t>@</a:t>
+              <a:t>                        @</a:t>
             </a:r>
             <a:r>
               <a:rPr lang="en-US" dirty="0" err="1" smtClean="0">
@@ -4155,14 +4148,7 @@
                 <a:latin typeface="Times New Roman" panose="02020603050405020304" pitchFamily="18" charset="0"/>
                 <a:cs typeface="Times New Roman" panose="02020603050405020304" pitchFamily="18" charset="0"/>
               </a:rPr>
-              <a:t> </a:t>
-            </a:r>
-            <a:r>
-              <a:rPr lang="ru-RU" dirty="0" smtClean="0">
-                <a:latin typeface="Times New Roman" panose="02020603050405020304" pitchFamily="18" charset="0"/>
-                <a:cs typeface="Times New Roman" panose="02020603050405020304" pitchFamily="18" charset="0"/>
-              </a:rPr>
-              <a:t>Е.А                        </a:t>
+              <a:t> Е.А                        </a:t>
             </a:r>
             <a:r>
               <a:rPr lang="en-US" dirty="0" smtClean="0">
@@ -4546,7 +4532,7 @@
       </p:sp>
       <p:pic>
         <p:nvPicPr>
-          <p:cNvPr id="4" name="Объект 3"/>
+          <p:cNvPr id="5" name="Объект 4"/>
           <p:cNvPicPr>
             <a:picLocks noGrp="1" noChangeAspect="1"/>
           </p:cNvPicPr>
@@ -4562,8 +4548,8 @@
         </p:blipFill>
         <p:spPr>
           <a:xfrm>
-            <a:off x="1663002" y="1379678"/>
-            <a:ext cx="8797332" cy="4997666"/>
+            <a:off x="1576240" y="1375954"/>
+            <a:ext cx="9286028" cy="5245543"/>
           </a:xfrm>
           <a:prstGeom prst="rect">
             <a:avLst/>
@@ -4849,14 +4835,7 @@
                 <a:latin typeface="Times New Roman" panose="02020603050405020304" pitchFamily="18" charset="0"/>
                 <a:cs typeface="Times New Roman" panose="02020603050405020304" pitchFamily="18" charset="0"/>
               </a:rPr>
-              <a:t>Возможно дальнейшее развитие программного </a:t>
-            </a:r>
-            <a:r>
-              <a:rPr lang="ru-RU" sz="4600" dirty="0" smtClean="0">
-                <a:latin typeface="Times New Roman" panose="02020603050405020304" pitchFamily="18" charset="0"/>
-                <a:cs typeface="Times New Roman" panose="02020603050405020304" pitchFamily="18" charset="0"/>
-              </a:rPr>
-              <a:t>проекта</a:t>
+              <a:t>Возможно дальнейшее развитие программного проекта</a:t>
             </a:r>
             <a:r>
               <a:rPr lang="en-US" sz="4600" dirty="0" smtClean="0">
@@ -5143,14 +5122,7 @@
                 <a:latin typeface="Times New Roman" panose="02020603050405020304" pitchFamily="18" charset="0"/>
                 <a:cs typeface="Times New Roman" panose="02020603050405020304" pitchFamily="18" charset="0"/>
               </a:rPr>
-              <a:t> </a:t>
-            </a:r>
-            <a:r>
-              <a:rPr lang="ru-RU" dirty="0" smtClean="0">
-                <a:latin typeface="Times New Roman" panose="02020603050405020304" pitchFamily="18" charset="0"/>
-                <a:cs typeface="Times New Roman" panose="02020603050405020304" pitchFamily="18" charset="0"/>
-              </a:rPr>
-              <a:t>Е.А</a:t>
+              <a:t> Е.А</a:t>
             </a:r>
             <a:r>
               <a:rPr lang="en-US" dirty="0" smtClean="0">
@@ -5354,33 +5326,22 @@
                 <a:latin typeface="Times New Roman" panose="02020603050405020304" pitchFamily="18" charset="0"/>
                 <a:cs typeface="Times New Roman" panose="02020603050405020304" pitchFamily="18" charset="0"/>
               </a:rPr>
-              <a:t>Развертывание веб-приложение на </a:t>
+              <a:t>Развертывание веб-приложение на сервер</a:t>
+            </a:r>
+            <a:r>
+              <a:rPr lang="ru-RU" sz="2800" dirty="0">
+                <a:latin typeface="Times New Roman" panose="02020603050405020304" pitchFamily="18" charset="0"/>
+                <a:cs typeface="Times New Roman" panose="02020603050405020304" pitchFamily="18" charset="0"/>
+              </a:rPr>
+              <a:t>е</a:t>
             </a:r>
             <a:r>
               <a:rPr lang="ru-RU" sz="2800" dirty="0" smtClean="0">
                 <a:latin typeface="Times New Roman" panose="02020603050405020304" pitchFamily="18" charset="0"/>
                 <a:cs typeface="Times New Roman" panose="02020603050405020304" pitchFamily="18" charset="0"/>
               </a:rPr>
-              <a:t>сервер</a:t>
-            </a:r>
-            <a:r>
-              <a:rPr lang="ru-RU" sz="2800" dirty="0">
-                <a:latin typeface="Times New Roman" panose="02020603050405020304" pitchFamily="18" charset="0"/>
-                <a:cs typeface="Times New Roman" panose="02020603050405020304" pitchFamily="18" charset="0"/>
-              </a:rPr>
-              <a:t>е</a:t>
-            </a:r>
-            <a:r>
-              <a:rPr lang="ru-RU" sz="2800" dirty="0" smtClean="0">
-                <a:latin typeface="Times New Roman" panose="02020603050405020304" pitchFamily="18" charset="0"/>
-                <a:cs typeface="Times New Roman" panose="02020603050405020304" pitchFamily="18" charset="0"/>
-              </a:rPr>
               <a:t> </a:t>
             </a:r>
-            <a:endParaRPr lang="ru-RU" sz="2800" dirty="0" smtClean="0">
-              <a:latin typeface="Times New Roman" panose="02020603050405020304" pitchFamily="18" charset="0"/>
-              <a:cs typeface="Times New Roman" panose="02020603050405020304" pitchFamily="18" charset="0"/>
-            </a:endParaRPr>
           </a:p>
         </p:txBody>
       </p:sp>
@@ -5532,14 +5493,7 @@
                 <a:latin typeface="Times New Roman" panose="02020603050405020304" pitchFamily="18" charset="0"/>
                 <a:cs typeface="Times New Roman" panose="02020603050405020304" pitchFamily="18" charset="0"/>
               </a:rPr>
-              <a:t>Составление </a:t>
-            </a:r>
-            <a:r>
-              <a:rPr lang="ru-RU" sz="2800" dirty="0" smtClean="0">
-                <a:latin typeface="Times New Roman" panose="02020603050405020304" pitchFamily="18" charset="0"/>
-                <a:cs typeface="Times New Roman" panose="02020603050405020304" pitchFamily="18" charset="0"/>
-              </a:rPr>
-              <a:t>презентации </a:t>
+              <a:t>Составление презентации </a:t>
             </a:r>
           </a:p>
           <a:p>
@@ -6219,14 +6173,7 @@
                 <a:latin typeface="Times New Roman" panose="02020603050405020304" pitchFamily="18" charset="0"/>
                 <a:cs typeface="Times New Roman" panose="02020603050405020304" pitchFamily="18" charset="0"/>
               </a:rPr>
-              <a:t>Реализация </a:t>
-            </a:r>
-            <a:r>
-              <a:rPr lang="ru-RU" sz="3200" dirty="0" smtClean="0">
-                <a:latin typeface="Times New Roman" panose="02020603050405020304" pitchFamily="18" charset="0"/>
-                <a:cs typeface="Times New Roman" panose="02020603050405020304" pitchFamily="18" charset="0"/>
-              </a:rPr>
-              <a:t>полей для учёта аудиторий, времени, преподавателей и дисциплин </a:t>
+              <a:t>Реализация полей для учёта аудиторий, времени, преподавателей и дисциплин </a:t>
             </a:r>
           </a:p>
           <a:p>
@@ -6374,11 +6321,7 @@
           <a:p>
             <a:r>
               <a:rPr lang="ru-RU" sz="11100" dirty="0" smtClean="0"/>
-              <a:t>Разработанная база данных находится на удалённом </a:t>
-            </a:r>
-            <a:r>
-              <a:rPr lang="ru-RU" sz="11100" dirty="0" smtClean="0"/>
-              <a:t>сервере</a:t>
+              <a:t>Разработанная база данных находится на удалённом сервере</a:t>
             </a:r>
             <a:r>
               <a:rPr lang="en-US" sz="11100" dirty="0" smtClean="0"/>
@@ -6405,11 +6348,7 @@
             </a:r>
             <a:r>
               <a:rPr lang="ru-RU" sz="11100" dirty="0" smtClean="0"/>
-              <a:t>частями </a:t>
-            </a:r>
-            <a:r>
-              <a:rPr lang="ru-RU" sz="11100" dirty="0" smtClean="0"/>
-              <a:t>приложения</a:t>
+              <a:t>частями приложения</a:t>
             </a:r>
             <a:r>
               <a:rPr lang="en-US" sz="11100" dirty="0" smtClean="0"/>
@@ -6717,14 +6656,7 @@
                 <a:latin typeface="Times New Roman" panose="02020603050405020304" pitchFamily="18" charset="0"/>
                 <a:cs typeface="Times New Roman" panose="02020603050405020304" pitchFamily="18" charset="0"/>
               </a:rPr>
-              <a:t>Реклама в бесплатной </a:t>
-            </a:r>
-            <a:r>
-              <a:rPr lang="ru-RU" sz="2200" dirty="0" smtClean="0">
-                <a:latin typeface="Times New Roman" panose="02020603050405020304" pitchFamily="18" charset="0"/>
-                <a:cs typeface="Times New Roman" panose="02020603050405020304" pitchFamily="18" charset="0"/>
-              </a:rPr>
-              <a:t>версии</a:t>
+              <a:t>Реклама в бесплатной версии</a:t>
             </a:r>
             <a:endParaRPr lang="ru-RU" sz="2200" dirty="0">
               <a:latin typeface="Times New Roman" panose="02020603050405020304" pitchFamily="18" charset="0"/>
@@ -6903,11 +6835,7 @@
           <a:p>
             <a:r>
               <a:rPr lang="ru-RU" sz="3600" dirty="0" smtClean="0"/>
-              <a:t>Добавление задач </a:t>
-            </a:r>
-            <a:r>
-              <a:rPr lang="ru-RU" sz="3600" dirty="0" smtClean="0"/>
-              <a:t>менеджера</a:t>
+              <a:t>Добавление задач менеджера</a:t>
             </a:r>
             <a:r>
               <a:rPr lang="en-US" sz="3600" dirty="0" smtClean="0"/>
@@ -6918,11 +6846,7 @@
           <a:p>
             <a:r>
               <a:rPr lang="ru-RU" sz="3600" dirty="0" smtClean="0"/>
-              <a:t>Ввод данных для создания таблицы </a:t>
-            </a:r>
-            <a:r>
-              <a:rPr lang="ru-RU" sz="3600" dirty="0" smtClean="0"/>
-              <a:t>расписания</a:t>
+              <a:t>Ввод данных для создания таблицы расписания</a:t>
             </a:r>
             <a:r>
               <a:rPr lang="en-US" sz="3600" dirty="0" smtClean="0"/>
@@ -6932,16 +6856,11 @@
               <a:rPr lang="ru-RU" sz="3600" dirty="0" smtClean="0"/>
               <a:t> </a:t>
             </a:r>
-            <a:endParaRPr lang="ru-RU" sz="3600" dirty="0" smtClean="0"/>
           </a:p>
           <a:p>
             <a:r>
               <a:rPr lang="ru-RU" sz="3600" dirty="0" smtClean="0"/>
-              <a:t>Изменения </a:t>
-            </a:r>
-            <a:r>
-              <a:rPr lang="ru-RU" sz="3600" dirty="0" smtClean="0"/>
-              <a:t>расписания</a:t>
+              <a:t>Изменения расписания</a:t>
             </a:r>
             <a:r>
               <a:rPr lang="en-US" sz="3600" dirty="0"/>
@@ -7045,11 +6964,7 @@
             </a:pPr>
             <a:r>
               <a:rPr lang="en-US" sz="4400" dirty="0" smtClean="0"/>
-              <a:t>Front-end: Vue.js  </a:t>
-            </a:r>
-            <a:r>
-              <a:rPr lang="en-US" sz="4400" dirty="0" smtClean="0"/>
-              <a:t>Bootstrap</a:t>
+              <a:t>Front-end: Vue.js  Bootstrap</a:t>
             </a:r>
           </a:p>
           <a:p>
